--- a/مستوى 9/ادارة المشاريع الهندسية هات 213-442/Lecture 6.pptx
+++ b/مستوى 9/ادارة المشاريع الهندسية هات 213-442/Lecture 6.pptx
@@ -178,10 +178,6 @@
 </p:presentation>
 </file>
 
-<file path=ppt/revisionInfo.xml><?xml version="1.0" encoding="utf-8"?>
-<p1510:revInfo xmlns:a="http://schemas.openxmlformats.org/drawingml/2006/main" xmlns:r="http://schemas.openxmlformats.org/officeDocument/2006/relationships" xmlns:p1510="http://schemas.microsoft.com/office/powerpoint/2015/10/main"/>
-</file>
-
 <file path=ppt/handoutMasters/handoutMaster1.xml><?xml version="1.0" encoding="utf-8"?>
 <p:handoutMaster xmlns:a="http://schemas.openxmlformats.org/drawingml/2006/main" xmlns:r="http://schemas.openxmlformats.org/officeDocument/2006/relationships" xmlns:p="http://schemas.openxmlformats.org/presentationml/2006/main">
   <p:cSld>
@@ -285,7 +281,7 @@
               <a:pPr>
                 <a:defRPr/>
               </a:pPr>
-              <a:t>17 أيلول، 18</a:t>
+              <a:t>14 شباط، 23</a:t>
             </a:fld>
             <a:endParaRPr lang="en-US"/>
           </a:p>
@@ -488,7 +484,7 @@
               <a:pPr>
                 <a:defRPr/>
               </a:pPr>
-              <a:t>17 أيلول، 18</a:t>
+              <a:t>14 شباط، 23</a:t>
             </a:fld>
             <a:endParaRPr lang="en-US"/>
           </a:p>
@@ -7274,7 +7270,7 @@
         </p:blipFill>
         <p:spPr bwMode="auto">
           <a:xfrm>
-            <a:off x="899592" y="2254566"/>
+            <a:off x="827584" y="2278765"/>
             <a:ext cx="6477000" cy="1133475"/>
           </a:xfrm>
           <a:prstGeom prst="rect">
@@ -7849,21 +7845,21 @@
           <a:lstStyle/>
           <a:p>
             <a:r>
-              <a:rPr lang="en-US" sz="2500" i="1">
+              <a:rPr lang="en-US" sz="2500" i="1" dirty="0">
                 <a:latin typeface="Times New Roman" pitchFamily="18" charset="0"/>
                 <a:cs typeface="Times New Roman" pitchFamily="18" charset="0"/>
               </a:rPr>
               <a:t>Longest-Duration-First</a:t>
             </a:r>
             <a:r>
-              <a:rPr lang="en-US" sz="2500" b="1" i="1">
+              <a:rPr lang="en-US" sz="2500" b="1" i="1" dirty="0">
                 <a:latin typeface="Times New Roman" pitchFamily="18" charset="0"/>
                 <a:cs typeface="Times New Roman" pitchFamily="18" charset="0"/>
               </a:rPr>
               <a:t>. </a:t>
             </a:r>
             <a:r>
-              <a:rPr lang="en-US" sz="2500">
+              <a:rPr lang="en-US" sz="2500" dirty="0">
                 <a:latin typeface="Times New Roman" pitchFamily="18" charset="0"/>
                 <a:cs typeface="Times New Roman" pitchFamily="18" charset="0"/>
               </a:rPr>
@@ -7876,7 +7872,7 @@
               <a:buNone/>
             </a:pPr>
             <a:r>
-              <a:rPr lang="en-US" sz="2500" b="1">
+              <a:rPr lang="en-US" sz="2500" b="1" dirty="0">
                 <a:latin typeface="Times New Roman" pitchFamily="18" charset="0"/>
                 <a:cs typeface="Times New Roman" pitchFamily="18" charset="0"/>
               </a:rPr>
@@ -7885,7 +7881,7 @@
           </a:p>
           <a:p>
             <a:r>
-              <a:rPr lang="en-US" sz="2500">
+              <a:rPr lang="en-US" sz="2500" dirty="0">
                 <a:latin typeface="Times New Roman" pitchFamily="18" charset="0"/>
                 <a:cs typeface="Times New Roman" pitchFamily="18" charset="0"/>
               </a:rPr>
@@ -7894,7 +7890,7 @@
           </a:p>
           <a:p>
             <a:r>
-              <a:rPr lang="en-US" sz="2500">
+              <a:rPr lang="en-US" sz="2500" dirty="0">
                 <a:latin typeface="Times New Roman" pitchFamily="18" charset="0"/>
                 <a:cs typeface="Times New Roman" pitchFamily="18" charset="0"/>
               </a:rPr>
@@ -7903,7 +7899,7 @@
           </a:p>
           <a:p>
             <a:r>
-              <a:rPr lang="en-US" sz="2500">
+              <a:rPr lang="en-US" sz="2500" dirty="0">
                 <a:latin typeface="Times New Roman" pitchFamily="18" charset="0"/>
                 <a:cs typeface="Times New Roman" pitchFamily="18" charset="0"/>
               </a:rPr>
@@ -10512,7 +10508,7 @@
         </p:nvSpPr>
         <p:spPr>
           <a:xfrm>
-            <a:off x="467544" y="260648"/>
+            <a:off x="827971" y="324528"/>
             <a:ext cx="7560840" cy="1569660"/>
           </a:xfrm>
           <a:prstGeom prst="rect">
@@ -11966,7 +11962,7 @@
           <a:lstStyle/>
           <a:p>
             <a:r>
-              <a:rPr lang="en-US" sz="2600">
+              <a:rPr lang="en-US" sz="2600" dirty="0">
                 <a:latin typeface="Times New Roman" pitchFamily="18" charset="0"/>
                 <a:cs typeface="Times New Roman" pitchFamily="18" charset="0"/>
               </a:rPr>
@@ -11975,7 +11971,7 @@
           </a:p>
           <a:p>
             <a:r>
-              <a:rPr lang="en-US" sz="2600">
+              <a:rPr lang="en-US" sz="2600" dirty="0">
                 <a:latin typeface="Times New Roman" pitchFamily="18" charset="0"/>
                 <a:cs typeface="Times New Roman" pitchFamily="18" charset="0"/>
               </a:rPr>
@@ -11984,7 +11980,7 @@
           </a:p>
           <a:p>
             <a:r>
-              <a:rPr lang="en-US" sz="2600">
+              <a:rPr lang="en-US" sz="2600" dirty="0">
                 <a:latin typeface="Times New Roman" pitchFamily="18" charset="0"/>
                 <a:cs typeface="Times New Roman" pitchFamily="18" charset="0"/>
               </a:rPr>
@@ -11992,13 +11988,13 @@
             </a:r>
           </a:p>
           <a:p>
-            <a:endParaRPr lang="en-US" sz="2600">
+            <a:endParaRPr lang="en-US" sz="2600" dirty="0">
               <a:latin typeface="Times New Roman" pitchFamily="18" charset="0"/>
               <a:cs typeface="Times New Roman" pitchFamily="18" charset="0"/>
             </a:endParaRPr>
           </a:p>
           <a:p>
-            <a:endParaRPr lang="en-US" sz="2600">
+            <a:endParaRPr lang="en-US" sz="2600" dirty="0">
               <a:cs typeface="Arial" charset="0"/>
             </a:endParaRPr>
           </a:p>
